--- a/semester2 PPT/Uge15 WP security project.pptx
+++ b/semester2 PPT/Uge15 WP security project.pptx
@@ -223,7 +223,7 @@
           <a:p>
             <a:fld id="{1D8BD707-D9CF-40AE-B4C6-C98DA3205C09}" type="datetimeFigureOut">
               <a:rPr lang="en-US"/>
-              <a:t>3/12/25</a:t>
+              <a:t>3/19/25</a:t>
             </a:fld>
             <a:endParaRPr lang="en-US"/>
           </a:p>
@@ -400,7 +400,7 @@
           <a:p>
             <a:fld id="{1D8BD707-D9CF-40AE-B4C6-C98DA3205C09}" type="datetimeFigureOut">
               <a:rPr lang="en-US"/>
-              <a:t>3/12/25</a:t>
+              <a:t>3/19/25</a:t>
             </a:fld>
             <a:endParaRPr lang="en-US"/>
           </a:p>
@@ -614,7 +614,7 @@
           <a:p>
             <a:fld id="{1D8BD707-D9CF-40AE-B4C6-C98DA3205C09}" type="datetimeFigureOut">
               <a:rPr lang="en-US"/>
-              <a:t>3/12/25</a:t>
+              <a:t>3/19/25</a:t>
             </a:fld>
             <a:endParaRPr lang="en-US"/>
           </a:p>
@@ -762,7 +762,7 @@
           <a:p>
             <a:fld id="{1D8BD707-D9CF-40AE-B4C6-C98DA3205C09}" type="datetimeFigureOut">
               <a:rPr lang="en-US"/>
-              <a:t>3/12/25</a:t>
+              <a:t>3/19/25</a:t>
             </a:fld>
             <a:endParaRPr lang="en-US"/>
           </a:p>
@@ -881,7 +881,7 @@
           <a:p>
             <a:fld id="{1D8BD707-D9CF-40AE-B4C6-C98DA3205C09}" type="datetimeFigureOut">
               <a:rPr lang="en-US"/>
-              <a:t>3/12/25</a:t>
+              <a:t>3/19/25</a:t>
             </a:fld>
             <a:endParaRPr lang="en-US"/>
           </a:p>
@@ -1106,7 +1106,7 @@
           <a:p>
             <a:fld id="{1D8BD707-D9CF-40AE-B4C6-C98DA3205C09}" type="datetimeFigureOut">
               <a:rPr lang="en-US"/>
-              <a:t>3/12/25</a:t>
+              <a:t>3/19/25</a:t>
             </a:fld>
             <a:endParaRPr lang="en-US"/>
           </a:p>
@@ -6485,7 +6485,7 @@
         <p:spPr>
           <a:xfrm>
             <a:off x="916939" y="1713484"/>
-            <a:ext cx="10274300" cy="4415951"/>
+            <a:ext cx="10274300" cy="3985064"/>
           </a:xfrm>
           <a:prstGeom prst="rect">
             <a:avLst/>
@@ -6502,43 +6502,11 @@
                 <a:latin typeface="Helvetica"/>
                 <a:cs typeface="Helvetica"/>
               </a:rPr>
-              <a:t> </a:t>
+              <a:t>I kan undersøge </a:t>
             </a:r>
             <a:r>
               <a:rPr lang="en-GB" sz="2800" dirty="0"/>
-              <a:t>Jeg </a:t>
-            </a:r>
-            <a:r>
-              <a:rPr lang="en-GB" sz="2800" dirty="0" err="1"/>
-              <a:t>har</a:t>
-            </a:r>
-            <a:r>
-              <a:rPr lang="en-GB" sz="2800" dirty="0"/>
-              <a:t> </a:t>
-            </a:r>
-            <a:r>
-              <a:rPr lang="en-GB" sz="2800" dirty="0" err="1"/>
-              <a:t>undersøgt</a:t>
-            </a:r>
-            <a:r>
-              <a:rPr lang="en-GB" sz="2800" dirty="0"/>
-              <a:t>, at Multimedia Design-</a:t>
-            </a:r>
-            <a:r>
-              <a:rPr lang="en-GB" sz="2800" dirty="0" err="1"/>
-              <a:t>studerende</a:t>
-            </a:r>
-            <a:r>
-              <a:rPr lang="en-GB" sz="2800" dirty="0"/>
-              <a:t> </a:t>
-            </a:r>
-            <a:r>
-              <a:rPr lang="en-GB" sz="2800" dirty="0" err="1"/>
-              <a:t>kan</a:t>
-            </a:r>
-            <a:r>
-              <a:rPr lang="en-GB" sz="2800" dirty="0"/>
-              <a:t> </a:t>
+              <a:t>at </a:t>
             </a:r>
             <a:r>
               <a:rPr lang="en-GB" sz="2800" dirty="0" err="1"/>
@@ -6550,15 +6518,7 @@
             </a:r>
             <a:r>
               <a:rPr lang="en-GB" sz="2800" dirty="0" err="1"/>
-              <a:t>på</a:t>
-            </a:r>
-            <a:r>
-              <a:rPr lang="en-GB" sz="2800" dirty="0"/>
-              <a:t> </a:t>
-            </a:r>
-            <a:r>
-              <a:rPr lang="en-GB" sz="2800" dirty="0" err="1"/>
-              <a:t>overbygningsuddannelsen</a:t>
+              <a:t>uddannelsen</a:t>
             </a:r>
             <a:r>
               <a:rPr lang="en-GB" sz="2800" dirty="0"/>
@@ -6671,15 +6631,7 @@
             </a:r>
             <a:r>
               <a:rPr lang="en-GB" sz="2800" dirty="0"/>
-              <a:t> for </a:t>
-            </a:r>
-            <a:r>
-              <a:rPr lang="en-GB" sz="2800" dirty="0" err="1"/>
-              <a:t>cybersikkerhed</a:t>
-            </a:r>
-            <a:r>
-              <a:rPr lang="en-GB" sz="2800" dirty="0"/>
-              <a:t>  </a:t>
+              <a:t> </a:t>
             </a:r>
           </a:p>
           <a:p>
